--- a/01-basics/exercises/13-encapsulation-drill.pptx
+++ b/01-basics/exercises/13-encapsulation-drill.pptx
@@ -260,7 +260,7 @@
           <a:p>
             <a:fld id="{0B0BC10F-3AA6-4785-A383-F34AE8516C78}" type="datetimeFigureOut">
               <a:rPr kumimoji="1" lang="ja-JP" altLang="en-US" smtClean="0"/>
-              <a:t>2023/11/30</a:t>
+              <a:t>2023/12/1</a:t>
             </a:fld>
             <a:endParaRPr kumimoji="1" lang="ja-JP" altLang="en-US"/>
           </a:p>
@@ -571,7 +571,7 @@
           <a:p>
             <a:fld id="{0B0BC10F-3AA6-4785-A383-F34AE8516C78}" type="datetimeFigureOut">
               <a:rPr kumimoji="1" lang="ja-JP" altLang="en-US" smtClean="0"/>
-              <a:t>2023/11/30</a:t>
+              <a:t>2023/12/1</a:t>
             </a:fld>
             <a:endParaRPr kumimoji="1" lang="ja-JP" altLang="en-US"/>
           </a:p>
@@ -811,7 +811,7 @@
           <a:p>
             <a:fld id="{0B0BC10F-3AA6-4785-A383-F34AE8516C78}" type="datetimeFigureOut">
               <a:rPr kumimoji="1" lang="ja-JP" altLang="en-US" smtClean="0"/>
-              <a:t>2023/11/30</a:t>
+              <a:t>2023/12/1</a:t>
             </a:fld>
             <a:endParaRPr kumimoji="1" lang="ja-JP" altLang="en-US"/>
           </a:p>
@@ -1041,7 +1041,7 @@
           <a:p>
             <a:fld id="{0B0BC10F-3AA6-4785-A383-F34AE8516C78}" type="datetimeFigureOut">
               <a:rPr kumimoji="1" lang="ja-JP" altLang="en-US" smtClean="0"/>
-              <a:t>2023/11/30</a:t>
+              <a:t>2023/12/1</a:t>
             </a:fld>
             <a:endParaRPr kumimoji="1" lang="ja-JP" altLang="en-US"/>
           </a:p>
@@ -1397,7 +1397,7 @@
           <a:p>
             <a:fld id="{0B0BC10F-3AA6-4785-A383-F34AE8516C78}" type="datetimeFigureOut">
               <a:rPr kumimoji="1" lang="ja-JP" altLang="en-US" smtClean="0"/>
-              <a:t>2023/11/30</a:t>
+              <a:t>2023/12/1</a:t>
             </a:fld>
             <a:endParaRPr kumimoji="1" lang="ja-JP" altLang="en-US"/>
           </a:p>
@@ -1726,7 +1726,7 @@
           <a:p>
             <a:fld id="{0B0BC10F-3AA6-4785-A383-F34AE8516C78}" type="datetimeFigureOut">
               <a:rPr kumimoji="1" lang="ja-JP" altLang="en-US" smtClean="0"/>
-              <a:t>2023/11/30</a:t>
+              <a:t>2023/12/1</a:t>
             </a:fld>
             <a:endParaRPr kumimoji="1" lang="ja-JP" altLang="en-US"/>
           </a:p>
@@ -2202,7 +2202,7 @@
           <a:p>
             <a:fld id="{0B0BC10F-3AA6-4785-A383-F34AE8516C78}" type="datetimeFigureOut">
               <a:rPr kumimoji="1" lang="ja-JP" altLang="en-US" smtClean="0"/>
-              <a:t>2023/11/30</a:t>
+              <a:t>2023/12/1</a:t>
             </a:fld>
             <a:endParaRPr kumimoji="1" lang="ja-JP" altLang="en-US"/>
           </a:p>
@@ -2292,16 +2292,143 @@
           <a:chExt cx="0" cy="0"/>
         </a:xfrm>
       </p:grpSpPr>
+      <p:sp>
+        <p:nvSpPr>
+          <p:cNvPr id="14" name="テキスト ボックス 13">
+            <a:extLst>
+              <a:ext uri="{FF2B5EF4-FFF2-40B4-BE49-F238E27FC236}">
+                <a16:creationId xmlns:a16="http://schemas.microsoft.com/office/drawing/2014/main" id="{07D27CC4-FDB9-65E2-B7A5-E7F591766693}"/>
+              </a:ext>
+            </a:extLst>
+          </p:cNvPr>
+          <p:cNvSpPr txBox="1"/>
+          <p:nvPr userDrawn="1"/>
+        </p:nvSpPr>
+        <p:spPr>
+          <a:xfrm>
+            <a:off x="0" y="5934670"/>
+            <a:ext cx="2672080" cy="923330"/>
+          </a:xfrm>
+          <a:prstGeom prst="rect">
+            <a:avLst/>
+          </a:prstGeom>
+          <a:solidFill>
+            <a:srgbClr val="FF0000"/>
+          </a:solidFill>
+        </p:spPr>
+        <p:txBody>
+          <a:bodyPr wrap="square" rtlCol="0">
+            <a:spAutoFit/>
+          </a:bodyPr>
+          <a:lstStyle/>
+          <a:p>
+            <a:pPr algn="ctr"/>
+            <a:r>
+              <a:rPr kumimoji="1" lang="ja-JP" altLang="en-US" sz="5400" b="1" dirty="0">
+                <a:solidFill>
+                  <a:schemeClr val="bg1">
+                    <a:lumMod val="95000"/>
+                  </a:schemeClr>
+                </a:solidFill>
+              </a:rPr>
+              <a:t>解答例</a:t>
+            </a:r>
+          </a:p>
+        </p:txBody>
+      </p:sp>
+      <p:sp>
+        <p:nvSpPr>
+          <p:cNvPr id="16" name="テキスト ボックス 15">
+            <a:extLst>
+              <a:ext uri="{FF2B5EF4-FFF2-40B4-BE49-F238E27FC236}">
+                <a16:creationId xmlns:a16="http://schemas.microsoft.com/office/drawing/2014/main" id="{12950A0A-3E80-C89B-C5F4-70A74238893F}"/>
+              </a:ext>
+            </a:extLst>
+          </p:cNvPr>
+          <p:cNvSpPr txBox="1"/>
+          <p:nvPr userDrawn="1"/>
+        </p:nvSpPr>
+        <p:spPr>
+          <a:xfrm>
+            <a:off x="0" y="0"/>
+            <a:ext cx="5057795" cy="369332"/>
+          </a:xfrm>
+          <a:prstGeom prst="rect">
+            <a:avLst/>
+          </a:prstGeom>
+          <a:noFill/>
+        </p:spPr>
+        <p:txBody>
+          <a:bodyPr wrap="none" rtlCol="0">
+            <a:spAutoFit/>
+          </a:bodyPr>
+          <a:lstStyle/>
+          <a:p>
+            <a:r>
+              <a:rPr kumimoji="1" lang="ja-JP" altLang="en-US" dirty="0">
+                <a:solidFill>
+                  <a:schemeClr val="bg2">
+                    <a:lumMod val="50000"/>
+                  </a:schemeClr>
+                </a:solidFill>
+              </a:rPr>
+              <a:t>カプセル化 </a:t>
+            </a:r>
+            <a:r>
+              <a:rPr kumimoji="1" lang="en-US" altLang="ja-JP" dirty="0">
+                <a:solidFill>
+                  <a:schemeClr val="bg2">
+                    <a:lumMod val="50000"/>
+                  </a:schemeClr>
+                </a:solidFill>
+              </a:rPr>
+              <a:t>/ </a:t>
+            </a:r>
+            <a:r>
+              <a:rPr kumimoji="1" lang="ja-JP" altLang="en-US" dirty="0">
+                <a:solidFill>
+                  <a:schemeClr val="bg2">
+                    <a:lumMod val="50000"/>
+                  </a:schemeClr>
+                </a:solidFill>
+              </a:rPr>
+              <a:t>情報隠蔽 </a:t>
+            </a:r>
+            <a:r>
+              <a:rPr kumimoji="1" lang="en-US" altLang="ja-JP" dirty="0">
+                <a:solidFill>
+                  <a:schemeClr val="bg2">
+                    <a:lumMod val="50000"/>
+                  </a:schemeClr>
+                </a:solidFill>
+              </a:rPr>
+              <a:t>/ </a:t>
+            </a:r>
+            <a:r>
+              <a:rPr kumimoji="1" lang="ja-JP" altLang="en-US" dirty="0">
+                <a:solidFill>
+                  <a:schemeClr val="bg2">
+                    <a:lumMod val="50000"/>
+                  </a:schemeClr>
+                </a:solidFill>
+              </a:rPr>
+              <a:t>パッケージ化：ドリル</a:t>
+            </a:r>
+          </a:p>
+        </p:txBody>
+      </p:sp>
       <p:pic>
         <p:nvPicPr>
-          <p:cNvPr id="6" name="図 5" descr="ダイアグラム&#10;&#10;自動的に生成された説明">
-            <a:extLst>
-              <a:ext uri="{FF2B5EF4-FFF2-40B4-BE49-F238E27FC236}">
-                <a16:creationId xmlns:a16="http://schemas.microsoft.com/office/drawing/2014/main" id="{2E92FF85-2321-3E5C-5C30-BF211C570CCB}"/>
-              </a:ext>
-            </a:extLst>
-          </p:cNvPr>
-          <p:cNvPicPr/>
+          <p:cNvPr id="2" name="図 1" descr="ダイアグラム&#10;&#10;自動的に生成された説明">
+            <a:extLst>
+              <a:ext uri="{FF2B5EF4-FFF2-40B4-BE49-F238E27FC236}">
+                <a16:creationId xmlns:a16="http://schemas.microsoft.com/office/drawing/2014/main" id="{B35054E5-7BF4-2F39-8E92-2F7831C4824B}"/>
+              </a:ext>
+            </a:extLst>
+          </p:cNvPr>
+          <p:cNvPicPr>
+            <a:picLocks noChangeAspect="1"/>
+          </p:cNvPicPr>
           <p:nvPr userDrawn="1"/>
         </p:nvPicPr>
         <p:blipFill rotWithShape="1">
@@ -2317,7 +2444,7 @@
         </p:blipFill>
         <p:spPr>
           <a:xfrm>
-            <a:off x="274955" y="1540602"/>
+            <a:off x="274955" y="991962"/>
             <a:ext cx="1244600" cy="1905000"/>
           </a:xfrm>
           <a:prstGeom prst="rect">
@@ -2334,14 +2461,16 @@
       </p:pic>
       <p:pic>
         <p:nvPicPr>
-          <p:cNvPr id="7" name="図 6" descr="ダイアグラム&#10;&#10;自動的に生成された説明">
-            <a:extLst>
-              <a:ext uri="{FF2B5EF4-FFF2-40B4-BE49-F238E27FC236}">
-                <a16:creationId xmlns:a16="http://schemas.microsoft.com/office/drawing/2014/main" id="{4E1C6B2B-7888-3DA5-CA9C-A76B56AF334E}"/>
-              </a:ext>
-            </a:extLst>
-          </p:cNvPr>
-          <p:cNvPicPr/>
+          <p:cNvPr id="3" name="図 2" descr="ダイアグラム&#10;&#10;自動的に生成された説明">
+            <a:extLst>
+              <a:ext uri="{FF2B5EF4-FFF2-40B4-BE49-F238E27FC236}">
+                <a16:creationId xmlns:a16="http://schemas.microsoft.com/office/drawing/2014/main" id="{63B253D6-DE53-FEC4-B5B5-A9BA32699B7C}"/>
+              </a:ext>
+            </a:extLst>
+          </p:cNvPr>
+          <p:cNvPicPr>
+            <a:picLocks noChangeAspect="1"/>
+          </p:cNvPicPr>
           <p:nvPr userDrawn="1"/>
         </p:nvPicPr>
         <p:blipFill rotWithShape="1">
@@ -2357,7 +2486,7 @@
         </p:blipFill>
         <p:spPr>
           <a:xfrm>
-            <a:off x="6387464" y="1540602"/>
+            <a:off x="6387464" y="1256619"/>
             <a:ext cx="1155700" cy="1371600"/>
           </a:xfrm>
           <a:prstGeom prst="rect">
@@ -2374,14 +2503,16 @@
       </p:pic>
       <p:pic>
         <p:nvPicPr>
-          <p:cNvPr id="8" name="図 7" descr="ダイアグラム&#10;&#10;自動的に生成された説明">
-            <a:extLst>
-              <a:ext uri="{FF2B5EF4-FFF2-40B4-BE49-F238E27FC236}">
-                <a16:creationId xmlns:a16="http://schemas.microsoft.com/office/drawing/2014/main" id="{79AC4C0B-8CDA-4A35-532C-D35A455651C8}"/>
-              </a:ext>
-            </a:extLst>
-          </p:cNvPr>
-          <p:cNvPicPr/>
+          <p:cNvPr id="4" name="図 3" descr="ダイアグラム&#10;&#10;自動的に生成された説明">
+            <a:extLst>
+              <a:ext uri="{FF2B5EF4-FFF2-40B4-BE49-F238E27FC236}">
+                <a16:creationId xmlns:a16="http://schemas.microsoft.com/office/drawing/2014/main" id="{20363155-2B71-C5AC-4D1C-53A00ACEBD8A}"/>
+              </a:ext>
+            </a:extLst>
+          </p:cNvPr>
+          <p:cNvPicPr>
+            <a:picLocks noChangeAspect="1"/>
+          </p:cNvPicPr>
           <p:nvPr userDrawn="1"/>
         </p:nvPicPr>
         <p:blipFill rotWithShape="1">
@@ -2397,7 +2528,7 @@
         </p:blipFill>
         <p:spPr>
           <a:xfrm>
-            <a:off x="367030" y="5036820"/>
+            <a:off x="367030" y="3815742"/>
             <a:ext cx="1060450" cy="1536700"/>
           </a:xfrm>
           <a:prstGeom prst="rect">
@@ -2414,27 +2545,27 @@
       </p:pic>
       <p:graphicFrame>
         <p:nvGraphicFramePr>
-          <p:cNvPr id="9" name="表 7">
-            <a:extLst>
-              <a:ext uri="{FF2B5EF4-FFF2-40B4-BE49-F238E27FC236}">
-                <a16:creationId xmlns:a16="http://schemas.microsoft.com/office/drawing/2014/main" id="{E7FAFB9D-69E8-5702-97AB-F23DA32E844F}"/>
+          <p:cNvPr id="5" name="表 7">
+            <a:extLst>
+              <a:ext uri="{FF2B5EF4-FFF2-40B4-BE49-F238E27FC236}">
+                <a16:creationId xmlns:a16="http://schemas.microsoft.com/office/drawing/2014/main" id="{7EC1F613-F55D-73D5-D254-1AA4EF5444C4}"/>
               </a:ext>
             </a:extLst>
           </p:cNvPr>
           <p:cNvGraphicFramePr>
-            <a:graphicFrameLocks noGrp="1"/>
+            <a:graphicFrameLocks/>
           </p:cNvGraphicFramePr>
           <p:nvPr userDrawn="1">
             <p:extLst>
               <p:ext uri="{D42A27DB-BD31-4B8C-83A1-F6EECF244321}">
-                <p14:modId xmlns:p14="http://schemas.microsoft.com/office/powerpoint/2010/main" val="218233423"/>
+                <p14:modId xmlns:p14="http://schemas.microsoft.com/office/powerpoint/2010/main" val="2809479179"/>
               </p:ext>
             </p:extLst>
           </p:nvPr>
         </p:nvGraphicFramePr>
         <p:xfrm>
-          <a:off x="1696720" y="2104482"/>
-          <a:ext cx="4107818" cy="1813560"/>
+          <a:off x="1696720" y="1127079"/>
+          <a:ext cx="4107818" cy="1630680"/>
         </p:xfrm>
         <a:graphic>
           <a:graphicData uri="http://schemas.openxmlformats.org/drawingml/2006/table">
@@ -2525,12 +2656,12 @@
                     </a:p>
                     <a:p>
                       <a:r>
-                        <a:rPr kumimoji="1" lang="ja-JP" altLang="en-US" sz="1200" dirty="0">
+                        <a:rPr kumimoji="1" lang="ja-JP" altLang="en-US" sz="900" dirty="0">
                           <a:solidFill>
                             <a:schemeClr val="bg1"/>
                           </a:solidFill>
                         </a:rPr>
-                        <a:t>（公開できるもの）</a:t>
+                        <a:t>（他者に公開できるもの）</a:t>
                       </a:r>
                     </a:p>
                   </a:txBody>
@@ -2544,13 +2675,6 @@
                   <a:txBody>
                     <a:bodyPr/>
                     <a:lstStyle/>
-                    <a:p>
-                      <a:r>
-                        <a:rPr kumimoji="1" lang="ja-JP" altLang="en-US" sz="1200" dirty="0"/>
-                        <a:t>・</a:t>
-                      </a:r>
-                      <a:endParaRPr kumimoji="1" lang="en-US" altLang="ja-JP" sz="1200" dirty="0"/>
-                    </a:p>
                     <a:p>
                       <a:r>
                         <a:rPr kumimoji="1" lang="ja-JP" altLang="en-US" sz="1200" dirty="0"/>
@@ -2611,12 +2735,12 @@
                     </a:p>
                     <a:p>
                       <a:r>
-                        <a:rPr kumimoji="1" lang="ja-JP" altLang="en-US" sz="1200" dirty="0">
+                        <a:rPr kumimoji="1" lang="ja-JP" altLang="en-US" sz="900" dirty="0">
                           <a:solidFill>
                             <a:schemeClr val="bg1"/>
                           </a:solidFill>
                         </a:rPr>
-                        <a:t>（非公開のもの）</a:t>
+                        <a:t>（他者には秘密のもの）</a:t>
                       </a:r>
                     </a:p>
                   </a:txBody>
@@ -2751,27 +2875,27 @@
       </p:graphicFrame>
       <p:graphicFrame>
         <p:nvGraphicFramePr>
-          <p:cNvPr id="10" name="表 7">
-            <a:extLst>
-              <a:ext uri="{FF2B5EF4-FFF2-40B4-BE49-F238E27FC236}">
-                <a16:creationId xmlns:a16="http://schemas.microsoft.com/office/drawing/2014/main" id="{51972693-1838-88C7-AC3D-57BD477A204B}"/>
+          <p:cNvPr id="15" name="表 7">
+            <a:extLst>
+              <a:ext uri="{FF2B5EF4-FFF2-40B4-BE49-F238E27FC236}">
+                <a16:creationId xmlns:a16="http://schemas.microsoft.com/office/drawing/2014/main" id="{C90510D7-7D04-2D9F-8702-70AE700965C5}"/>
               </a:ext>
             </a:extLst>
           </p:cNvPr>
           <p:cNvGraphicFramePr>
-            <a:graphicFrameLocks noGrp="1"/>
+            <a:graphicFrameLocks/>
           </p:cNvGraphicFramePr>
           <p:nvPr userDrawn="1">
             <p:extLst>
               <p:ext uri="{D42A27DB-BD31-4B8C-83A1-F6EECF244321}">
-                <p14:modId xmlns:p14="http://schemas.microsoft.com/office/powerpoint/2010/main" val="1258969692"/>
+                <p14:modId xmlns:p14="http://schemas.microsoft.com/office/powerpoint/2010/main" val="1947526978"/>
               </p:ext>
             </p:extLst>
           </p:nvPr>
         </p:nvGraphicFramePr>
         <p:xfrm>
-          <a:off x="7809227" y="2104482"/>
-          <a:ext cx="4107818" cy="1813560"/>
+          <a:off x="7809227" y="1127079"/>
+          <a:ext cx="4107818" cy="1630680"/>
         </p:xfrm>
         <a:graphic>
           <a:graphicData uri="http://schemas.openxmlformats.org/drawingml/2006/table">
@@ -2862,12 +2986,12 @@
                     </a:p>
                     <a:p>
                       <a:r>
-                        <a:rPr kumimoji="1" lang="ja-JP" altLang="en-US" sz="1200" dirty="0">
+                        <a:rPr kumimoji="1" lang="ja-JP" altLang="en-US" sz="900" dirty="0">
                           <a:solidFill>
                             <a:schemeClr val="bg1"/>
                           </a:solidFill>
                         </a:rPr>
-                        <a:t>（公開できるもの）</a:t>
+                        <a:t>（他者に公開できるもの）</a:t>
                       </a:r>
                     </a:p>
                   </a:txBody>
@@ -2881,13 +3005,6 @@
                   <a:txBody>
                     <a:bodyPr/>
                     <a:lstStyle/>
-                    <a:p>
-                      <a:r>
-                        <a:rPr kumimoji="1" lang="ja-JP" altLang="en-US" sz="1200" dirty="0"/>
-                        <a:t>・</a:t>
-                      </a:r>
-                      <a:endParaRPr kumimoji="1" lang="en-US" altLang="ja-JP" sz="1200" dirty="0"/>
-                    </a:p>
                     <a:p>
                       <a:r>
                         <a:rPr kumimoji="1" lang="ja-JP" altLang="en-US" sz="1200" dirty="0"/>
@@ -2948,12 +3065,12 @@
                     </a:p>
                     <a:p>
                       <a:r>
-                        <a:rPr kumimoji="1" lang="ja-JP" altLang="en-US" sz="1200" dirty="0">
+                        <a:rPr kumimoji="1" lang="ja-JP" altLang="en-US" sz="900" dirty="0">
                           <a:solidFill>
                             <a:schemeClr val="bg1"/>
                           </a:solidFill>
                         </a:rPr>
-                        <a:t>（非公開のもの）</a:t>
+                        <a:t>（他者には秘密のもの）</a:t>
                       </a:r>
                     </a:p>
                   </a:txBody>
@@ -2968,6 +3085,23 @@
                     <a:bodyPr/>
                     <a:lstStyle/>
                     <a:p>
+                      <a:pPr marL="0" marR="0" lvl="0" indent="0" algn="l" defTabSz="914400" rtl="0" eaLnBrk="1" fontAlgn="auto" latinLnBrk="0" hangingPunct="1">
+                        <a:lnSpc>
+                          <a:spcPct val="100000"/>
+                        </a:lnSpc>
+                        <a:spcBef>
+                          <a:spcPts val="0"/>
+                        </a:spcBef>
+                        <a:spcAft>
+                          <a:spcPts val="0"/>
+                        </a:spcAft>
+                        <a:buClrTx/>
+                        <a:buSzTx/>
+                        <a:buFontTx/>
+                        <a:buNone/>
+                        <a:tabLst/>
+                        <a:defRPr/>
+                      </a:pPr>
                       <a:r>
                         <a:rPr kumimoji="1" lang="ja-JP" altLang="en-US" sz="1200" dirty="0"/>
                         <a:t>・顧客情報</a:t>
@@ -3075,27 +3209,27 @@
       </p:graphicFrame>
       <p:graphicFrame>
         <p:nvGraphicFramePr>
-          <p:cNvPr id="11" name="表 7">
-            <a:extLst>
-              <a:ext uri="{FF2B5EF4-FFF2-40B4-BE49-F238E27FC236}">
-                <a16:creationId xmlns:a16="http://schemas.microsoft.com/office/drawing/2014/main" id="{765C70E2-227C-E291-7558-26479FF8398A}"/>
+          <p:cNvPr id="17" name="表 7">
+            <a:extLst>
+              <a:ext uri="{FF2B5EF4-FFF2-40B4-BE49-F238E27FC236}">
+                <a16:creationId xmlns:a16="http://schemas.microsoft.com/office/drawing/2014/main" id="{3ED68010-A2EB-AC35-1014-4F375FDA8321}"/>
               </a:ext>
             </a:extLst>
           </p:cNvPr>
           <p:cNvGraphicFramePr>
-            <a:graphicFrameLocks noGrp="1"/>
+            <a:graphicFrameLocks/>
           </p:cNvGraphicFramePr>
           <p:nvPr userDrawn="1">
             <p:extLst>
               <p:ext uri="{D42A27DB-BD31-4B8C-83A1-F6EECF244321}">
-                <p14:modId xmlns:p14="http://schemas.microsoft.com/office/powerpoint/2010/main" val="456806734"/>
+                <p14:modId xmlns:p14="http://schemas.microsoft.com/office/powerpoint/2010/main" val="834272491"/>
               </p:ext>
             </p:extLst>
           </p:nvPr>
         </p:nvGraphicFramePr>
         <p:xfrm>
-          <a:off x="1696720" y="5355590"/>
-          <a:ext cx="6929120" cy="899160"/>
+          <a:off x="1696720" y="4134512"/>
+          <a:ext cx="4107818" cy="899160"/>
         </p:xfrm>
         <a:graphic>
           <a:graphicData uri="http://schemas.openxmlformats.org/drawingml/2006/table">
@@ -3104,14 +3238,14 @@
                 <a:tableStyleId>{793D81CF-94F2-401A-BA57-92F5A7B2D0C5}</a:tableStyleId>
               </a:tblPr>
               <a:tblGrid>
-                <a:gridCol w="1930400">
+                <a:gridCol w="1496166">
                   <a:extLst>
                     <a:ext uri="{9D8B030D-6E8A-4147-A177-3AD203B41FA5}">
                       <a16:colId xmlns:a16="http://schemas.microsoft.com/office/drawing/2014/main" val="3208353800"/>
                     </a:ext>
                   </a:extLst>
                 </a:gridCol>
-                <a:gridCol w="4998720">
+                <a:gridCol w="2611652">
                   <a:extLst>
                     <a:ext uri="{9D8B030D-6E8A-4147-A177-3AD203B41FA5}">
                       <a16:colId xmlns:a16="http://schemas.microsoft.com/office/drawing/2014/main" val="2802107350"/>
@@ -3165,7 +3299,7 @@
                             <a:schemeClr val="bg1"/>
                           </a:solidFill>
                         </a:rPr>
-                        <a:t>ガウガウファイナンスで知っている人</a:t>
+                        <a:t>お金を借りるために知っているべき人</a:t>
                       </a:r>
                       <a:r>
                         <a:rPr kumimoji="1" lang="en-US" altLang="ja-JP" sz="1200" dirty="0">
@@ -3205,7 +3339,7 @@
                     <a:p>
                       <a:r>
                         <a:rPr kumimoji="1" lang="ja-JP" altLang="en-US" sz="1200" dirty="0"/>
-                        <a:t>・金貸しくんにお願いできること</a:t>
+                        <a:t>・</a:t>
                       </a:r>
                       <a:endParaRPr kumimoji="1" lang="en-US" altLang="ja-JP" sz="1200" dirty="0"/>
                     </a:p>
@@ -3230,10 +3364,10 @@
       </p:graphicFrame>
       <p:sp>
         <p:nvSpPr>
-          <p:cNvPr id="12" name="テキスト ボックス 11">
-            <a:extLst>
-              <a:ext uri="{FF2B5EF4-FFF2-40B4-BE49-F238E27FC236}">
-                <a16:creationId xmlns:a16="http://schemas.microsoft.com/office/drawing/2014/main" id="{32E53446-4297-AA7D-4D2C-2CB1BA8D86E6}"/>
+          <p:cNvPr id="18" name="テキスト ボックス 17">
+            <a:extLst>
+              <a:ext uri="{FF2B5EF4-FFF2-40B4-BE49-F238E27FC236}">
+                <a16:creationId xmlns:a16="http://schemas.microsoft.com/office/drawing/2014/main" id="{255BFE43-D99D-5F14-59D5-9470FEBB0393}"/>
               </a:ext>
             </a:extLst>
           </p:cNvPr>
@@ -3242,7 +3376,7 @@
         </p:nvSpPr>
         <p:spPr>
           <a:xfrm>
-            <a:off x="274955" y="418584"/>
+            <a:off x="6990080" y="142879"/>
             <a:ext cx="4926965" cy="369332"/>
           </a:xfrm>
           <a:prstGeom prst="rect">
@@ -3274,20 +3408,22 @@
       </p:sp>
       <p:sp>
         <p:nvSpPr>
-          <p:cNvPr id="13" name="テキスト ボックス 12">
-            <a:extLst>
-              <a:ext uri="{FF2B5EF4-FFF2-40B4-BE49-F238E27FC236}">
-                <a16:creationId xmlns:a16="http://schemas.microsoft.com/office/drawing/2014/main" id="{8CB1D03E-5CE9-5DBF-A01D-8FA378C15A7A}"/>
-              </a:ext>
-            </a:extLst>
-          </p:cNvPr>
-          <p:cNvSpPr txBox="1"/>
+          <p:cNvPr id="19" name="テキスト ボックス 18">
+            <a:extLst>
+              <a:ext uri="{FF2B5EF4-FFF2-40B4-BE49-F238E27FC236}">
+                <a16:creationId xmlns:a16="http://schemas.microsoft.com/office/drawing/2014/main" id="{ECF7C80D-A1D8-4871-59F2-72C0EE42AD5E}"/>
+              </a:ext>
+            </a:extLst>
+          </p:cNvPr>
+          <p:cNvSpPr txBox="1">
+            <a:spLocks/>
+          </p:cNvSpPr>
           <p:nvPr userDrawn="1"/>
         </p:nvSpPr>
         <p:spPr>
           <a:xfrm>
-            <a:off x="5031065" y="6488668"/>
-            <a:ext cx="7160935" cy="338554"/>
+            <a:off x="5903099" y="6119336"/>
+            <a:ext cx="6288901" cy="738664"/>
           </a:xfrm>
           <a:prstGeom prst="rect">
             <a:avLst/>
@@ -3295,152 +3431,120 @@
           <a:noFill/>
         </p:spPr>
         <p:txBody>
-          <a:bodyPr wrap="none" rtlCol="0">
+          <a:bodyPr wrap="none" rtlCol="0" anchor="b">
             <a:spAutoFit/>
           </a:bodyPr>
           <a:lstStyle/>
           <a:p>
-            <a:pPr algn="r"/>
-            <a:r>
-              <a:rPr kumimoji="1" lang="en-US" altLang="ja-JP" sz="1600" dirty="0">
+            <a:r>
+              <a:rPr lang="ja-JP" altLang="en-US" sz="1400" dirty="0">
                 <a:solidFill>
                   <a:srgbClr val="FF0000"/>
                 </a:solidFill>
               </a:rPr>
-              <a:t>※</a:t>
-            </a:r>
-            <a:r>
-              <a:rPr kumimoji="1" lang="ja-JP" altLang="en-US" sz="1600" dirty="0">
+              <a:t>・</a:t>
+            </a:r>
+            <a:r>
+              <a:rPr kumimoji="1" lang="ja-JP" altLang="en-US" sz="1400" dirty="0">
                 <a:solidFill>
                   <a:srgbClr val="FF0000"/>
                 </a:solidFill>
               </a:rPr>
               <a:t>本シートから自分が記入するシートをコピペで作成して記入してください</a:t>
             </a:r>
-          </a:p>
-        </p:txBody>
-      </p:sp>
-      <p:sp>
-        <p:nvSpPr>
-          <p:cNvPr id="14" name="テキスト ボックス 13">
-            <a:extLst>
-              <a:ext uri="{FF2B5EF4-FFF2-40B4-BE49-F238E27FC236}">
-                <a16:creationId xmlns:a16="http://schemas.microsoft.com/office/drawing/2014/main" id="{07D27CC4-FDB9-65E2-B7A5-E7F591766693}"/>
-              </a:ext>
-            </a:extLst>
-          </p:cNvPr>
-          <p:cNvSpPr txBox="1"/>
+            <a:endParaRPr kumimoji="1" lang="en-US" altLang="ja-JP" sz="1400" dirty="0">
+              <a:solidFill>
+                <a:srgbClr val="FF0000"/>
+              </a:solidFill>
+            </a:endParaRPr>
+          </a:p>
+          <a:p>
+            <a:r>
+              <a:rPr lang="ja-JP" altLang="en-US" sz="1400" dirty="0">
+                <a:solidFill>
+                  <a:srgbClr val="FF0000"/>
+                </a:solidFill>
+              </a:rPr>
+              <a:t>・人</a:t>
+            </a:r>
+            <a:r>
+              <a:rPr lang="en-US" altLang="ja-JP" sz="1400" dirty="0">
+                <a:solidFill>
+                  <a:srgbClr val="FF0000"/>
+                </a:solidFill>
+              </a:rPr>
+              <a:t>/</a:t>
+            </a:r>
+            <a:r>
+              <a:rPr lang="ja-JP" altLang="en-US" sz="1400" dirty="0">
+                <a:solidFill>
+                  <a:srgbClr val="FF0000"/>
+                </a:solidFill>
+              </a:rPr>
+              <a:t>モノは図中に登場する名前で書いてください</a:t>
+            </a:r>
+            <a:endParaRPr lang="en-US" altLang="ja-JP" sz="1400" dirty="0">
+              <a:solidFill>
+                <a:srgbClr val="FF0000"/>
+              </a:solidFill>
+            </a:endParaRPr>
+          </a:p>
+          <a:p>
+            <a:r>
+              <a:rPr lang="ja-JP" altLang="en-US" sz="1400" dirty="0">
+                <a:solidFill>
+                  <a:srgbClr val="FF0000"/>
+                </a:solidFill>
+              </a:rPr>
+              <a:t>・</a:t>
+            </a:r>
+            <a:r>
+              <a:rPr kumimoji="1" lang="ja-JP" altLang="en-US" sz="1400" dirty="0">
+                <a:solidFill>
+                  <a:srgbClr val="FF0000"/>
+                </a:solidFill>
+              </a:rPr>
+              <a:t>矢印①～⑧についてはそれぞれが知っているものとします</a:t>
+            </a:r>
+          </a:p>
+        </p:txBody>
+      </p:sp>
+      <p:pic>
+        <p:nvPicPr>
+          <p:cNvPr id="20" name="図 19" descr="ダイアグラム&#10;&#10;自動的に生成された説明">
+            <a:extLst>
+              <a:ext uri="{FF2B5EF4-FFF2-40B4-BE49-F238E27FC236}">
+                <a16:creationId xmlns:a16="http://schemas.microsoft.com/office/drawing/2014/main" id="{01F12BE9-7E8C-79F4-6D23-1F56B546F4EB}"/>
+              </a:ext>
+            </a:extLst>
+          </p:cNvPr>
+          <p:cNvPicPr>
+            <a:picLocks noChangeAspect="1"/>
+          </p:cNvPicPr>
           <p:nvPr userDrawn="1"/>
-        </p:nvSpPr>
+        </p:nvPicPr>
+        <p:blipFill>
+          <a:blip r:embed="rId5">
+            <a:extLst>
+              <a:ext uri="{28A0092B-C50C-407E-A947-70E740481C1C}">
+                <a14:useLocalDpi xmlns:a14="http://schemas.microsoft.com/office/drawing/2010/main" val="0"/>
+              </a:ext>
+            </a:extLst>
+          </a:blip>
+          <a:stretch>
+            <a:fillRect/>
+          </a:stretch>
+        </p:blipFill>
         <p:spPr>
           <a:xfrm>
-            <a:off x="9929841" y="80030"/>
-            <a:ext cx="2262158" cy="923330"/>
+            <a:off x="6364830" y="3718256"/>
+            <a:ext cx="5460140" cy="2012665"/>
           </a:xfrm>
           <a:prstGeom prst="rect">
             <a:avLst/>
           </a:prstGeom>
-          <a:noFill/>
         </p:spPr>
-        <p:txBody>
-          <a:bodyPr wrap="none" rtlCol="0">
-            <a:spAutoFit/>
-          </a:bodyPr>
-          <a:lstStyle/>
-          <a:p>
-            <a:pPr algn="r"/>
-            <a:r>
-              <a:rPr kumimoji="1" lang="ja-JP" altLang="en-US" sz="5400" dirty="0">
-                <a:solidFill>
-                  <a:srgbClr val="FF0000"/>
-                </a:solidFill>
-              </a:rPr>
-              <a:t>解答例</a:t>
-            </a:r>
-          </a:p>
-        </p:txBody>
-      </p:sp>
-      <p:sp>
-        <p:nvSpPr>
-          <p:cNvPr id="16" name="テキスト ボックス 15">
-            <a:extLst>
-              <a:ext uri="{FF2B5EF4-FFF2-40B4-BE49-F238E27FC236}">
-                <a16:creationId xmlns:a16="http://schemas.microsoft.com/office/drawing/2014/main" id="{12950A0A-3E80-C89B-C5F4-70A74238893F}"/>
-              </a:ext>
-            </a:extLst>
-          </p:cNvPr>
-          <p:cNvSpPr txBox="1"/>
-          <p:nvPr userDrawn="1"/>
-        </p:nvSpPr>
-        <p:spPr>
-          <a:xfrm>
-            <a:off x="0" y="0"/>
-            <a:ext cx="5057795" cy="369332"/>
-          </a:xfrm>
-          <a:prstGeom prst="rect">
-            <a:avLst/>
-          </a:prstGeom>
-          <a:noFill/>
-        </p:spPr>
-        <p:txBody>
-          <a:bodyPr wrap="none" rtlCol="0">
-            <a:spAutoFit/>
-          </a:bodyPr>
-          <a:lstStyle/>
-          <a:p>
-            <a:r>
-              <a:rPr kumimoji="1" lang="ja-JP" altLang="en-US" dirty="0">
-                <a:solidFill>
-                  <a:schemeClr val="bg2">
-                    <a:lumMod val="50000"/>
-                  </a:schemeClr>
-                </a:solidFill>
-              </a:rPr>
-              <a:t>カプセル化 </a:t>
-            </a:r>
-            <a:r>
-              <a:rPr kumimoji="1" lang="en-US" altLang="ja-JP" dirty="0">
-                <a:solidFill>
-                  <a:schemeClr val="bg2">
-                    <a:lumMod val="50000"/>
-                  </a:schemeClr>
-                </a:solidFill>
-              </a:rPr>
-              <a:t>/ </a:t>
-            </a:r>
-            <a:r>
-              <a:rPr kumimoji="1" lang="ja-JP" altLang="en-US" dirty="0">
-                <a:solidFill>
-                  <a:schemeClr val="bg2">
-                    <a:lumMod val="50000"/>
-                  </a:schemeClr>
-                </a:solidFill>
-              </a:rPr>
-              <a:t>情報隠蔽 </a:t>
-            </a:r>
-            <a:r>
-              <a:rPr kumimoji="1" lang="en-US" altLang="ja-JP" dirty="0">
-                <a:solidFill>
-                  <a:schemeClr val="bg2">
-                    <a:lumMod val="50000"/>
-                  </a:schemeClr>
-                </a:solidFill>
-              </a:rPr>
-              <a:t>/ </a:t>
-            </a:r>
-            <a:r>
-              <a:rPr kumimoji="1" lang="ja-JP" altLang="en-US" dirty="0">
-                <a:solidFill>
-                  <a:schemeClr val="bg2">
-                    <a:lumMod val="50000"/>
-                  </a:schemeClr>
-                </a:solidFill>
-              </a:rPr>
-              <a:t>パッケージ化：ドリル</a:t>
-            </a:r>
-          </a:p>
-        </p:txBody>
-      </p:sp>
+      </p:pic>
     </p:spTree>
     <p:extLst>
       <p:ext uri="{BB962C8B-B14F-4D97-AF65-F5344CB8AC3E}">
@@ -3494,7 +3598,7 @@
           <a:p>
             <a:fld id="{0B0BC10F-3AA6-4785-A383-F34AE8516C78}" type="datetimeFigureOut">
               <a:rPr kumimoji="1" lang="ja-JP" altLang="en-US" smtClean="0"/>
-              <a:t>2023/11/30</a:t>
+              <a:t>2023/12/1</a:t>
             </a:fld>
             <a:endParaRPr kumimoji="1" lang="ja-JP" altLang="en-US"/>
           </a:p>
@@ -3837,7 +3941,7 @@
           <a:p>
             <a:fld id="{0B0BC10F-3AA6-4785-A383-F34AE8516C78}" type="datetimeFigureOut">
               <a:rPr kumimoji="1" lang="ja-JP" altLang="en-US" smtClean="0"/>
-              <a:t>2023/11/30</a:t>
+              <a:t>2023/12/1</a:t>
             </a:fld>
             <a:endParaRPr kumimoji="1" lang="ja-JP" altLang="en-US"/>
           </a:p>
@@ -4125,7 +4229,7 @@
           <a:p>
             <a:fld id="{0B0BC10F-3AA6-4785-A383-F34AE8516C78}" type="datetimeFigureOut">
               <a:rPr kumimoji="1" lang="ja-JP" altLang="en-US" smtClean="0"/>
-              <a:t>2023/11/30</a:t>
+              <a:t>2023/12/1</a:t>
             </a:fld>
             <a:endParaRPr kumimoji="1" lang="ja-JP" altLang="en-US"/>
           </a:p>
@@ -4398,7 +4502,7 @@
           <a:p>
             <a:fld id="{0B0BC10F-3AA6-4785-A383-F34AE8516C78}" type="datetimeFigureOut">
               <a:rPr kumimoji="1" lang="ja-JP" altLang="en-US" smtClean="0"/>
-              <a:t>2023/11/30</a:t>
+              <a:t>2023/12/1</a:t>
             </a:fld>
             <a:endParaRPr kumimoji="1" lang="ja-JP" altLang="en-US"/>
           </a:p>
@@ -4865,8 +4969,8 @@
         </p:nvSpPr>
         <p:spPr>
           <a:xfrm>
-            <a:off x="1976119" y="4973353"/>
-            <a:ext cx="8239760" cy="1200329"/>
+            <a:off x="1976119" y="4541276"/>
+            <a:ext cx="8239760" cy="1754326"/>
           </a:xfrm>
           <a:prstGeom prst="rect">
             <a:avLst/>
@@ -4878,6 +4982,34 @@
             <a:spAutoFit/>
           </a:bodyPr>
           <a:lstStyle/>
+          <a:p>
+            <a:r>
+              <a:rPr lang="ja-JP" altLang="en-US" b="0" dirty="0">
+                <a:solidFill>
+                  <a:srgbClr val="0451A5"/>
+                </a:solidFill>
+                <a:effectLst/>
+                <a:latin typeface="Consolas" panose="020B0609020204030204" pitchFamily="49" charset="0"/>
+              </a:rPr>
+              <a:t>図に示す金融システムが機能するために最低限必要な体制を考えてください。</a:t>
+            </a:r>
+            <a:endParaRPr lang="en-US" altLang="ja-JP" b="0" dirty="0">
+              <a:solidFill>
+                <a:srgbClr val="0451A5"/>
+              </a:solidFill>
+              <a:effectLst/>
+              <a:latin typeface="Consolas" panose="020B0609020204030204" pitchFamily="49" charset="0"/>
+            </a:endParaRPr>
+          </a:p>
+          <a:p>
+            <a:endParaRPr lang="en-US" altLang="ja-JP" b="0" dirty="0">
+              <a:solidFill>
+                <a:srgbClr val="0451A5"/>
+              </a:solidFill>
+              <a:effectLst/>
+              <a:latin typeface="Consolas" panose="020B0609020204030204" pitchFamily="49" charset="0"/>
+            </a:endParaRPr>
+          </a:p>
           <a:p>
             <a:r>
               <a:rPr lang="en-US" altLang="ja-JP" b="0" dirty="0">
@@ -4937,7 +5069,27 @@
                 <a:effectLst/>
                 <a:latin typeface="Consolas" panose="020B0609020204030204" pitchFamily="49" charset="0"/>
               </a:rPr>
-              <a:t>は何を知っていれば良いでしょうか？</a:t>
+              <a:t>は何</a:t>
+            </a:r>
+            <a:r>
+              <a:rPr lang="en-US" altLang="ja-JP" b="0" dirty="0">
+                <a:solidFill>
+                  <a:srgbClr val="000000"/>
+                </a:solidFill>
+                <a:effectLst/>
+                <a:latin typeface="Consolas" panose="020B0609020204030204" pitchFamily="49" charset="0"/>
+              </a:rPr>
+              <a:t>/</a:t>
+            </a:r>
+            <a:r>
+              <a:rPr lang="ja-JP" altLang="en-US" b="0" dirty="0">
+                <a:solidFill>
+                  <a:srgbClr val="000000"/>
+                </a:solidFill>
+                <a:effectLst/>
+                <a:latin typeface="Consolas" panose="020B0609020204030204" pitchFamily="49" charset="0"/>
+              </a:rPr>
+              <a:t>誰を知っていれば良いでしょうか？</a:t>
             </a:r>
           </a:p>
           <a:p>
@@ -4981,7 +5133,7 @@
                 <a:effectLst/>
                 <a:latin typeface="Consolas" panose="020B0609020204030204" pitchFamily="49" charset="0"/>
               </a:rPr>
-              <a:t> 判定さんは何を公開し、何を隠したらいいでしょうか？</a:t>
+              <a:t> 判定さんは何を外に見せていれば業務が回るでしょうか？</a:t>
             </a:r>
           </a:p>
           <a:p>
@@ -5048,7 +5200,7 @@
             </a:extLst>
           </p:cNvPr>
           <p:cNvPicPr>
-            <a:picLocks noGrp="1" noRot="1" noChangeAspect="1" noMove="1" noResize="1" noEditPoints="1" noAdjustHandles="1" noChangeArrowheads="1" noChangeShapeType="1" noCrop="1"/>
+            <a:picLocks noChangeAspect="1"/>
           </p:cNvPicPr>
           <p:nvPr/>
         </p:nvPicPr>
@@ -5065,7 +5217,7 @@
         </p:blipFill>
         <p:spPr>
           <a:xfrm>
-            <a:off x="274955" y="1540602"/>
+            <a:off x="274955" y="991962"/>
             <a:ext cx="1244600" cy="1905000"/>
           </a:xfrm>
           <a:prstGeom prst="rect">
@@ -5090,7 +5242,7 @@
             </a:extLst>
           </p:cNvPr>
           <p:cNvPicPr>
-            <a:picLocks noGrp="1" noRot="1" noChangeAspect="1" noMove="1" noResize="1" noEditPoints="1" noAdjustHandles="1" noChangeArrowheads="1" noChangeShapeType="1" noCrop="1"/>
+            <a:picLocks noChangeAspect="1"/>
           </p:cNvPicPr>
           <p:nvPr/>
         </p:nvPicPr>
@@ -5107,7 +5259,7 @@
         </p:blipFill>
         <p:spPr>
           <a:xfrm>
-            <a:off x="6387464" y="1540602"/>
+            <a:off x="6387464" y="1256619"/>
             <a:ext cx="1155700" cy="1371600"/>
           </a:xfrm>
           <a:prstGeom prst="rect">
@@ -5132,7 +5284,7 @@
             </a:extLst>
           </p:cNvPr>
           <p:cNvPicPr>
-            <a:picLocks noGrp="1" noRot="1" noChangeAspect="1" noMove="1" noResize="1" noEditPoints="1" noAdjustHandles="1" noChangeArrowheads="1" noChangeShapeType="1" noCrop="1"/>
+            <a:picLocks noChangeAspect="1"/>
           </p:cNvPicPr>
           <p:nvPr/>
         </p:nvPicPr>
@@ -5149,7 +5301,7 @@
         </p:blipFill>
         <p:spPr>
           <a:xfrm>
-            <a:off x="367030" y="5036820"/>
+            <a:off x="367030" y="3815742"/>
             <a:ext cx="1060450" cy="1536700"/>
           </a:xfrm>
           <a:prstGeom prst="rect">
@@ -5174,19 +5326,19 @@
             </a:extLst>
           </p:cNvPr>
           <p:cNvGraphicFramePr>
-            <a:graphicFrameLocks noGrp="1"/>
+            <a:graphicFrameLocks/>
           </p:cNvGraphicFramePr>
           <p:nvPr>
             <p:extLst>
               <p:ext uri="{D42A27DB-BD31-4B8C-83A1-F6EECF244321}">
-                <p14:modId xmlns:p14="http://schemas.microsoft.com/office/powerpoint/2010/main" val="3987430055"/>
+                <p14:modId xmlns:p14="http://schemas.microsoft.com/office/powerpoint/2010/main" val="503618445"/>
               </p:ext>
             </p:extLst>
           </p:nvPr>
         </p:nvGraphicFramePr>
         <p:xfrm>
-          <a:off x="1696720" y="2104482"/>
-          <a:ext cx="4107818" cy="1813560"/>
+          <a:off x="1696720" y="1127079"/>
+          <a:ext cx="4107818" cy="1630680"/>
         </p:xfrm>
         <a:graphic>
           <a:graphicData uri="http://schemas.openxmlformats.org/drawingml/2006/table">
@@ -5277,12 +5429,12 @@
                     </a:p>
                     <a:p>
                       <a:r>
-                        <a:rPr kumimoji="1" lang="ja-JP" altLang="en-US" sz="1200" dirty="0">
+                        <a:rPr kumimoji="1" lang="ja-JP" altLang="en-US" sz="900" dirty="0">
                           <a:solidFill>
                             <a:schemeClr val="bg1"/>
                           </a:solidFill>
                         </a:rPr>
-                        <a:t>（公開できるもの）</a:t>
+                        <a:t>（他者に公開できるもの）</a:t>
                       </a:r>
                     </a:p>
                   </a:txBody>
@@ -5296,13 +5448,6 @@
                   <a:txBody>
                     <a:bodyPr/>
                     <a:lstStyle/>
-                    <a:p>
-                      <a:r>
-                        <a:rPr kumimoji="1" lang="ja-JP" altLang="en-US" sz="1200" dirty="0"/>
-                        <a:t>・</a:t>
-                      </a:r>
-                      <a:endParaRPr kumimoji="1" lang="en-US" altLang="ja-JP" sz="1200" dirty="0"/>
-                    </a:p>
                     <a:p>
                       <a:r>
                         <a:rPr kumimoji="1" lang="ja-JP" altLang="en-US" sz="1200" dirty="0"/>
@@ -5363,12 +5508,12 @@
                     </a:p>
                     <a:p>
                       <a:r>
-                        <a:rPr kumimoji="1" lang="ja-JP" altLang="en-US" sz="1200" dirty="0">
+                        <a:rPr kumimoji="1" lang="ja-JP" altLang="en-US" sz="900" dirty="0">
                           <a:solidFill>
                             <a:schemeClr val="bg1"/>
                           </a:solidFill>
                         </a:rPr>
-                        <a:t>（非公開のもの）</a:t>
+                        <a:t>（他者には秘密のもの）</a:t>
                       </a:r>
                     </a:p>
                   </a:txBody>
@@ -5498,19 +5643,19 @@
             </a:extLst>
           </p:cNvPr>
           <p:cNvGraphicFramePr>
-            <a:graphicFrameLocks noGrp="1"/>
+            <a:graphicFrameLocks/>
           </p:cNvGraphicFramePr>
           <p:nvPr>
             <p:extLst>
               <p:ext uri="{D42A27DB-BD31-4B8C-83A1-F6EECF244321}">
-                <p14:modId xmlns:p14="http://schemas.microsoft.com/office/powerpoint/2010/main" val="3418659127"/>
+                <p14:modId xmlns:p14="http://schemas.microsoft.com/office/powerpoint/2010/main" val="727706186"/>
               </p:ext>
             </p:extLst>
           </p:nvPr>
         </p:nvGraphicFramePr>
         <p:xfrm>
-          <a:off x="7809227" y="2104482"/>
-          <a:ext cx="4107818" cy="1813560"/>
+          <a:off x="7809227" y="1127079"/>
+          <a:ext cx="4107818" cy="1630680"/>
         </p:xfrm>
         <a:graphic>
           <a:graphicData uri="http://schemas.openxmlformats.org/drawingml/2006/table">
@@ -5601,12 +5746,12 @@
                     </a:p>
                     <a:p>
                       <a:r>
-                        <a:rPr kumimoji="1" lang="ja-JP" altLang="en-US" sz="1200" dirty="0">
+                        <a:rPr kumimoji="1" lang="ja-JP" altLang="en-US" sz="900" dirty="0">
                           <a:solidFill>
                             <a:schemeClr val="bg1"/>
                           </a:solidFill>
                         </a:rPr>
-                        <a:t>（公開できるもの）</a:t>
+                        <a:t>（他者に公開できるもの）</a:t>
                       </a:r>
                     </a:p>
                   </a:txBody>
@@ -5620,13 +5765,6 @@
                   <a:txBody>
                     <a:bodyPr/>
                     <a:lstStyle/>
-                    <a:p>
-                      <a:r>
-                        <a:rPr kumimoji="1" lang="ja-JP" altLang="en-US" sz="1200" dirty="0"/>
-                        <a:t>・</a:t>
-                      </a:r>
-                      <a:endParaRPr kumimoji="1" lang="en-US" altLang="ja-JP" sz="1200" dirty="0"/>
-                    </a:p>
                     <a:p>
                       <a:r>
                         <a:rPr kumimoji="1" lang="ja-JP" altLang="en-US" sz="1200" dirty="0"/>
@@ -5687,12 +5825,12 @@
                     </a:p>
                     <a:p>
                       <a:r>
-                        <a:rPr kumimoji="1" lang="ja-JP" altLang="en-US" sz="1200" dirty="0">
+                        <a:rPr kumimoji="1" lang="ja-JP" altLang="en-US" sz="900" dirty="0">
                           <a:solidFill>
                             <a:schemeClr val="bg1"/>
                           </a:solidFill>
                         </a:rPr>
-                        <a:t>（非公開のもの）</a:t>
+                        <a:t>（他者には秘密のもの）</a:t>
                       </a:r>
                     </a:p>
                   </a:txBody>
@@ -5822,19 +5960,19 @@
             </a:extLst>
           </p:cNvPr>
           <p:cNvGraphicFramePr>
-            <a:graphicFrameLocks noGrp="1"/>
+            <a:graphicFrameLocks/>
           </p:cNvGraphicFramePr>
           <p:nvPr>
             <p:extLst>
               <p:ext uri="{D42A27DB-BD31-4B8C-83A1-F6EECF244321}">
-                <p14:modId xmlns:p14="http://schemas.microsoft.com/office/powerpoint/2010/main" val="1569416488"/>
+                <p14:modId xmlns:p14="http://schemas.microsoft.com/office/powerpoint/2010/main" val="554615432"/>
               </p:ext>
             </p:extLst>
           </p:nvPr>
         </p:nvGraphicFramePr>
         <p:xfrm>
-          <a:off x="1696720" y="5355590"/>
-          <a:ext cx="6929120" cy="899160"/>
+          <a:off x="1696720" y="4134512"/>
+          <a:ext cx="4107818" cy="899160"/>
         </p:xfrm>
         <a:graphic>
           <a:graphicData uri="http://schemas.openxmlformats.org/drawingml/2006/table">
@@ -5843,14 +5981,14 @@
                 <a:tableStyleId>{793D81CF-94F2-401A-BA57-92F5A7B2D0C5}</a:tableStyleId>
               </a:tblPr>
               <a:tblGrid>
-                <a:gridCol w="1930400">
+                <a:gridCol w="1496166">
                   <a:extLst>
                     <a:ext uri="{9D8B030D-6E8A-4147-A177-3AD203B41FA5}">
                       <a16:colId xmlns:a16="http://schemas.microsoft.com/office/drawing/2014/main" val="3208353800"/>
                     </a:ext>
                   </a:extLst>
                 </a:gridCol>
-                <a:gridCol w="4998720">
+                <a:gridCol w="2611652">
                   <a:extLst>
                     <a:ext uri="{9D8B030D-6E8A-4147-A177-3AD203B41FA5}">
                       <a16:colId xmlns:a16="http://schemas.microsoft.com/office/drawing/2014/main" val="2802107350"/>
@@ -5904,7 +6042,7 @@
                             <a:schemeClr val="bg1"/>
                           </a:solidFill>
                         </a:rPr>
-                        <a:t>ガウガウファイナンスで知っている人</a:t>
+                        <a:t>お金を借りるために知っているべき人</a:t>
                       </a:r>
                       <a:r>
                         <a:rPr kumimoji="1" lang="en-US" altLang="ja-JP" sz="1200" dirty="0">
@@ -5981,7 +6119,7 @@
         </p:nvSpPr>
         <p:spPr>
           <a:xfrm>
-            <a:off x="274955" y="418584"/>
+            <a:off x="6990080" y="142879"/>
             <a:ext cx="4926965" cy="369332"/>
           </a:xfrm>
           <a:prstGeom prst="rect">
@@ -6021,14 +6159,14 @@
             </a:extLst>
           </p:cNvPr>
           <p:cNvSpPr txBox="1">
-            <a:spLocks noGrp="1" noRot="1" noMove="1" noResize="1" noEditPoints="1" noAdjustHandles="1" noChangeArrowheads="1" noChangeShapeType="1"/>
+            <a:spLocks/>
           </p:cNvSpPr>
           <p:nvPr/>
         </p:nvSpPr>
         <p:spPr>
           <a:xfrm>
-            <a:off x="5031065" y="6488668"/>
-            <a:ext cx="7160935" cy="338554"/>
+            <a:off x="5903099" y="6119336"/>
+            <a:ext cx="6288901" cy="738664"/>
           </a:xfrm>
           <a:prstGeom prst="rect">
             <a:avLst/>
@@ -6036,31 +6174,120 @@
           <a:noFill/>
         </p:spPr>
         <p:txBody>
-          <a:bodyPr wrap="none" rtlCol="0">
+          <a:bodyPr wrap="none" rtlCol="0" anchor="b">
             <a:spAutoFit/>
           </a:bodyPr>
           <a:lstStyle/>
           <a:p>
-            <a:pPr algn="r"/>
-            <a:r>
-              <a:rPr kumimoji="1" lang="en-US" altLang="ja-JP" sz="1600" dirty="0">
+            <a:r>
+              <a:rPr lang="ja-JP" altLang="en-US" sz="1400" dirty="0">
                 <a:solidFill>
                   <a:srgbClr val="FF0000"/>
                 </a:solidFill>
               </a:rPr>
-              <a:t>※</a:t>
-            </a:r>
-            <a:r>
-              <a:rPr kumimoji="1" lang="ja-JP" altLang="en-US" sz="1600" dirty="0">
+              <a:t>・</a:t>
+            </a:r>
+            <a:r>
+              <a:rPr kumimoji="1" lang="ja-JP" altLang="en-US" sz="1400" dirty="0">
                 <a:solidFill>
                   <a:srgbClr val="FF0000"/>
                 </a:solidFill>
               </a:rPr>
               <a:t>本シートから自分が記入するシートをコピペで作成して記入してください</a:t>
             </a:r>
-          </a:p>
-        </p:txBody>
-      </p:sp>
+            <a:endParaRPr kumimoji="1" lang="en-US" altLang="ja-JP" sz="1400" dirty="0">
+              <a:solidFill>
+                <a:srgbClr val="FF0000"/>
+              </a:solidFill>
+            </a:endParaRPr>
+          </a:p>
+          <a:p>
+            <a:r>
+              <a:rPr lang="ja-JP" altLang="en-US" sz="1400" dirty="0">
+                <a:solidFill>
+                  <a:srgbClr val="FF0000"/>
+                </a:solidFill>
+              </a:rPr>
+              <a:t>・人</a:t>
+            </a:r>
+            <a:r>
+              <a:rPr lang="en-US" altLang="ja-JP" sz="1400" dirty="0">
+                <a:solidFill>
+                  <a:srgbClr val="FF0000"/>
+                </a:solidFill>
+              </a:rPr>
+              <a:t>/</a:t>
+            </a:r>
+            <a:r>
+              <a:rPr lang="ja-JP" altLang="en-US" sz="1400" dirty="0">
+                <a:solidFill>
+                  <a:srgbClr val="FF0000"/>
+                </a:solidFill>
+              </a:rPr>
+              <a:t>モノは図中に登場する名前で書いてください</a:t>
+            </a:r>
+            <a:endParaRPr lang="en-US" altLang="ja-JP" sz="1400" dirty="0">
+              <a:solidFill>
+                <a:srgbClr val="FF0000"/>
+              </a:solidFill>
+            </a:endParaRPr>
+          </a:p>
+          <a:p>
+            <a:r>
+              <a:rPr lang="ja-JP" altLang="en-US" sz="1400" dirty="0">
+                <a:solidFill>
+                  <a:srgbClr val="FF0000"/>
+                </a:solidFill>
+              </a:rPr>
+              <a:t>・</a:t>
+            </a:r>
+            <a:r>
+              <a:rPr kumimoji="1" lang="ja-JP" altLang="en-US" sz="1400" dirty="0">
+                <a:solidFill>
+                  <a:srgbClr val="FF0000"/>
+                </a:solidFill>
+              </a:rPr>
+              <a:t>矢印①～⑧についてはそれぞれが知っているものとします</a:t>
+            </a:r>
+          </a:p>
+        </p:txBody>
+      </p:sp>
+      <p:pic>
+        <p:nvPicPr>
+          <p:cNvPr id="3" name="図 2" descr="ダイアグラム&#10;&#10;自動的に生成された説明">
+            <a:extLst>
+              <a:ext uri="{FF2B5EF4-FFF2-40B4-BE49-F238E27FC236}">
+                <a16:creationId xmlns:a16="http://schemas.microsoft.com/office/drawing/2014/main" id="{0993C609-EEF2-A2CE-4896-1683AC665AFC}"/>
+              </a:ext>
+            </a:extLst>
+          </p:cNvPr>
+          <p:cNvPicPr>
+            <a:picLocks noChangeAspect="1"/>
+          </p:cNvPicPr>
+          <p:nvPr/>
+        </p:nvPicPr>
+        <p:blipFill>
+          <a:blip r:embed="rId5">
+            <a:extLst>
+              <a:ext uri="{28A0092B-C50C-407E-A947-70E740481C1C}">
+                <a14:useLocalDpi xmlns:a14="http://schemas.microsoft.com/office/drawing/2010/main" val="0"/>
+              </a:ext>
+            </a:extLst>
+          </a:blip>
+          <a:stretch>
+            <a:fillRect/>
+          </a:stretch>
+        </p:blipFill>
+        <p:spPr>
+          <a:xfrm>
+            <a:off x="6364830" y="3718256"/>
+            <a:ext cx="5460140" cy="2012665"/>
+          </a:xfrm>
+          <a:prstGeom prst="rect">
+            <a:avLst/>
+          </a:prstGeom>
+        </p:spPr>
+      </p:pic>
     </p:spTree>
     <p:extLst>
       <p:ext uri="{BB962C8B-B14F-4D97-AF65-F5344CB8AC3E}">
